--- a/paper/scperb_draft4.pptx
+++ b/paper/scperb_draft4.pptx
@@ -2852,7 +2852,7 @@
           <a:p>
             <a:fld id="{75322447-D5FC-F74C-A8E9-DAA2D158B9DD}" type="datetimeFigureOut">
               <a:rPr kumimoji="1" lang="zh-CN" altLang="en-US" smtClean="0"/>
-              <a:t>2023/8/16</a:t>
+              <a:t>2023/8/18</a:t>
             </a:fld>
             <a:endParaRPr kumimoji="1" lang="zh-CN" altLang="en-US"/>
           </a:p>
@@ -3357,7 +3357,7 @@
           <a:p>
             <a:fld id="{6595D385-7995-294D-97D1-22AA2B80F410}" type="datetimeFigureOut">
               <a:rPr kumimoji="1" lang="zh-CN" altLang="en-US" smtClean="0"/>
-              <a:t>2023/8/16</a:t>
+              <a:t>2023/8/18</a:t>
             </a:fld>
             <a:endParaRPr kumimoji="1" lang="zh-CN" altLang="en-US"/>
           </a:p>
@@ -3555,7 +3555,7 @@
           <a:p>
             <a:fld id="{6595D385-7995-294D-97D1-22AA2B80F410}" type="datetimeFigureOut">
               <a:rPr kumimoji="1" lang="zh-CN" altLang="en-US" smtClean="0"/>
-              <a:t>2023/8/16</a:t>
+              <a:t>2023/8/18</a:t>
             </a:fld>
             <a:endParaRPr kumimoji="1" lang="zh-CN" altLang="en-US"/>
           </a:p>
@@ -3763,7 +3763,7 @@
           <a:p>
             <a:fld id="{6595D385-7995-294D-97D1-22AA2B80F410}" type="datetimeFigureOut">
               <a:rPr kumimoji="1" lang="zh-CN" altLang="en-US" smtClean="0"/>
-              <a:t>2023/8/16</a:t>
+              <a:t>2023/8/18</a:t>
             </a:fld>
             <a:endParaRPr kumimoji="1" lang="zh-CN" altLang="en-US"/>
           </a:p>
@@ -3961,7 +3961,7 @@
           <a:p>
             <a:fld id="{6595D385-7995-294D-97D1-22AA2B80F410}" type="datetimeFigureOut">
               <a:rPr kumimoji="1" lang="zh-CN" altLang="en-US" smtClean="0"/>
-              <a:t>2023/8/16</a:t>
+              <a:t>2023/8/18</a:t>
             </a:fld>
             <a:endParaRPr kumimoji="1" lang="zh-CN" altLang="en-US"/>
           </a:p>
@@ -4236,7 +4236,7 @@
           <a:p>
             <a:fld id="{6595D385-7995-294D-97D1-22AA2B80F410}" type="datetimeFigureOut">
               <a:rPr kumimoji="1" lang="zh-CN" altLang="en-US" smtClean="0"/>
-              <a:t>2023/8/16</a:t>
+              <a:t>2023/8/18</a:t>
             </a:fld>
             <a:endParaRPr kumimoji="1" lang="zh-CN" altLang="en-US"/>
           </a:p>
@@ -4501,7 +4501,7 @@
           <a:p>
             <a:fld id="{6595D385-7995-294D-97D1-22AA2B80F410}" type="datetimeFigureOut">
               <a:rPr kumimoji="1" lang="zh-CN" altLang="en-US" smtClean="0"/>
-              <a:t>2023/8/16</a:t>
+              <a:t>2023/8/18</a:t>
             </a:fld>
             <a:endParaRPr kumimoji="1" lang="zh-CN" altLang="en-US"/>
           </a:p>
@@ -4913,7 +4913,7 @@
           <a:p>
             <a:fld id="{6595D385-7995-294D-97D1-22AA2B80F410}" type="datetimeFigureOut">
               <a:rPr kumimoji="1" lang="zh-CN" altLang="en-US" smtClean="0"/>
-              <a:t>2023/8/16</a:t>
+              <a:t>2023/8/18</a:t>
             </a:fld>
             <a:endParaRPr kumimoji="1" lang="zh-CN" altLang="en-US"/>
           </a:p>
@@ -5054,7 +5054,7 @@
           <a:p>
             <a:fld id="{6595D385-7995-294D-97D1-22AA2B80F410}" type="datetimeFigureOut">
               <a:rPr kumimoji="1" lang="zh-CN" altLang="en-US" smtClean="0"/>
-              <a:t>2023/8/16</a:t>
+              <a:t>2023/8/18</a:t>
             </a:fld>
             <a:endParaRPr kumimoji="1" lang="zh-CN" altLang="en-US"/>
           </a:p>
@@ -5167,7 +5167,7 @@
           <a:p>
             <a:fld id="{6595D385-7995-294D-97D1-22AA2B80F410}" type="datetimeFigureOut">
               <a:rPr kumimoji="1" lang="zh-CN" altLang="en-US" smtClean="0"/>
-              <a:t>2023/8/16</a:t>
+              <a:t>2023/8/18</a:t>
             </a:fld>
             <a:endParaRPr kumimoji="1" lang="zh-CN" altLang="en-US"/>
           </a:p>
@@ -5478,7 +5478,7 @@
           <a:p>
             <a:fld id="{6595D385-7995-294D-97D1-22AA2B80F410}" type="datetimeFigureOut">
               <a:rPr kumimoji="1" lang="zh-CN" altLang="en-US" smtClean="0"/>
-              <a:t>2023/8/16</a:t>
+              <a:t>2023/8/18</a:t>
             </a:fld>
             <a:endParaRPr kumimoji="1" lang="zh-CN" altLang="en-US"/>
           </a:p>
@@ -5766,7 +5766,7 @@
           <a:p>
             <a:fld id="{6595D385-7995-294D-97D1-22AA2B80F410}" type="datetimeFigureOut">
               <a:rPr kumimoji="1" lang="zh-CN" altLang="en-US" smtClean="0"/>
-              <a:t>2023/8/16</a:t>
+              <a:t>2023/8/18</a:t>
             </a:fld>
             <a:endParaRPr kumimoji="1" lang="zh-CN" altLang="en-US"/>
           </a:p>
@@ -6007,7 +6007,7 @@
           <a:p>
             <a:fld id="{6595D385-7995-294D-97D1-22AA2B80F410}" type="datetimeFigureOut">
               <a:rPr kumimoji="1" lang="zh-CN" altLang="en-US" smtClean="0"/>
-              <a:t>2023/8/16</a:t>
+              <a:t>2023/8/18</a:t>
             </a:fld>
             <a:endParaRPr kumimoji="1" lang="zh-CN" altLang="en-US"/>
           </a:p>
@@ -8354,7 +8354,7 @@
         </p:nvSpPr>
         <p:spPr>
           <a:xfrm rot="16243277">
-            <a:off x="9507767" y="3795470"/>
+            <a:off x="9507767" y="3857143"/>
             <a:ext cx="770135" cy="188728"/>
           </a:xfrm>
           <a:prstGeom prst="leftRightArrow">
@@ -8438,7 +8438,7 @@
         </p:nvSpPr>
         <p:spPr>
           <a:xfrm>
-            <a:off x="9901760" y="3693906"/>
+            <a:off x="9921091" y="3795690"/>
             <a:ext cx="1374706" cy="307777"/>
           </a:xfrm>
           <a:prstGeom prst="rect">
@@ -17559,36 +17559,6 @@
           </a:prstGeom>
         </p:spPr>
       </p:pic>
-      <p:pic>
-        <p:nvPicPr>
-          <p:cNvPr id="6" name="图片 5">
-            <a:extLst>
-              <a:ext uri="{FF2B5EF4-FFF2-40B4-BE49-F238E27FC236}">
-                <a16:creationId xmlns:a16="http://schemas.microsoft.com/office/drawing/2014/main" id="{9BF55A90-0C30-36A8-0E05-0E28F04B8723}"/>
-              </a:ext>
-            </a:extLst>
-          </p:cNvPr>
-          <p:cNvPicPr>
-            <a:picLocks noChangeAspect="1"/>
-          </p:cNvPicPr>
-          <p:nvPr/>
-        </p:nvPicPr>
-        <p:blipFill>
-          <a:blip r:embed="rId4"/>
-          <a:stretch>
-            <a:fillRect/>
-          </a:stretch>
-        </p:blipFill>
-        <p:spPr>
-          <a:xfrm>
-            <a:off x="0" y="3078000"/>
-            <a:ext cx="4536000" cy="3780000"/>
-          </a:xfrm>
-          <a:prstGeom prst="rect">
-            <a:avLst/>
-          </a:prstGeom>
-        </p:spPr>
-      </p:pic>
       <p:graphicFrame>
         <p:nvGraphicFramePr>
           <p:cNvPr id="9" name="图表 8">
@@ -17615,7 +17585,7 @@
         </p:xfrm>
         <a:graphic>
           <a:graphicData uri="http://schemas.openxmlformats.org/drawingml/2006/chart">
-            <c:chart xmlns:c="http://schemas.openxmlformats.org/drawingml/2006/chart" xmlns:r="http://schemas.openxmlformats.org/officeDocument/2006/relationships" r:id="rId5"/>
+            <c:chart xmlns:c="http://schemas.openxmlformats.org/drawingml/2006/chart" xmlns:r="http://schemas.openxmlformats.org/officeDocument/2006/relationships" r:id="rId4"/>
           </a:graphicData>
         </a:graphic>
       </p:graphicFrame>
@@ -17645,7 +17615,7 @@
         </p:xfrm>
         <a:graphic>
           <a:graphicData uri="http://schemas.openxmlformats.org/drawingml/2006/chart">
-            <c:chart xmlns:c="http://schemas.openxmlformats.org/drawingml/2006/chart" xmlns:r="http://schemas.openxmlformats.org/officeDocument/2006/relationships" r:id="rId6"/>
+            <c:chart xmlns:c="http://schemas.openxmlformats.org/drawingml/2006/chart" xmlns:r="http://schemas.openxmlformats.org/officeDocument/2006/relationships" r:id="rId5"/>
           </a:graphicData>
         </a:graphic>
       </p:graphicFrame>
@@ -17793,36 +17763,6 @@
           </a:p>
         </p:txBody>
       </p:sp>
-      <p:pic>
-        <p:nvPicPr>
-          <p:cNvPr id="4" name="图片 3">
-            <a:extLst>
-              <a:ext uri="{FF2B5EF4-FFF2-40B4-BE49-F238E27FC236}">
-                <a16:creationId xmlns:a16="http://schemas.microsoft.com/office/drawing/2014/main" id="{841AB0CA-555F-9110-FE2B-9AF44BA8FCBF}"/>
-              </a:ext>
-            </a:extLst>
-          </p:cNvPr>
-          <p:cNvPicPr>
-            <a:picLocks noChangeAspect="1"/>
-          </p:cNvPicPr>
-          <p:nvPr/>
-        </p:nvPicPr>
-        <p:blipFill>
-          <a:blip r:embed="rId7"/>
-          <a:stretch>
-            <a:fillRect/>
-          </a:stretch>
-        </p:blipFill>
-        <p:spPr>
-          <a:xfrm>
-            <a:off x="0" y="446255"/>
-            <a:ext cx="4470939" cy="2554822"/>
-          </a:xfrm>
-          <a:prstGeom prst="rect">
-            <a:avLst/>
-          </a:prstGeom>
-        </p:spPr>
-      </p:pic>
       <p:sp>
         <p:nvSpPr>
           <p:cNvPr id="17" name="文本框 16">
@@ -17894,7 +17834,7 @@
             <p:nvPr/>
           </p:nvPicPr>
           <p:blipFill>
-            <a:blip r:embed="rId8"/>
+            <a:blip r:embed="rId6"/>
             <a:stretch>
               <a:fillRect/>
             </a:stretch>
@@ -17924,7 +17864,7 @@
             <p:nvPr/>
           </p:nvPicPr>
           <p:blipFill>
-            <a:blip r:embed="rId9"/>
+            <a:blip r:embed="rId7"/>
             <a:stretch>
               <a:fillRect/>
             </a:stretch>
@@ -17954,7 +17894,7 @@
             <p:nvPr/>
           </p:nvPicPr>
           <p:blipFill>
-            <a:blip r:embed="rId10"/>
+            <a:blip r:embed="rId8"/>
             <a:stretch>
               <a:fillRect/>
             </a:stretch>
@@ -17984,7 +17924,7 @@
             <p:nvPr/>
           </p:nvPicPr>
           <p:blipFill>
-            <a:blip r:embed="rId11"/>
+            <a:blip r:embed="rId9"/>
             <a:stretch>
               <a:fillRect/>
             </a:stretch>
@@ -18000,6 +17940,66 @@
           </p:spPr>
         </p:pic>
       </p:grpSp>
+      <p:pic>
+        <p:nvPicPr>
+          <p:cNvPr id="7" name="图片 6">
+            <a:extLst>
+              <a:ext uri="{FF2B5EF4-FFF2-40B4-BE49-F238E27FC236}">
+                <a16:creationId xmlns:a16="http://schemas.microsoft.com/office/drawing/2014/main" id="{921A041E-4EEF-A95D-076F-DB539394B47A}"/>
+              </a:ext>
+            </a:extLst>
+          </p:cNvPr>
+          <p:cNvPicPr>
+            <a:picLocks noChangeAspect="1"/>
+          </p:cNvPicPr>
+          <p:nvPr/>
+        </p:nvPicPr>
+        <p:blipFill>
+          <a:blip r:embed="rId10"/>
+          <a:stretch>
+            <a:fillRect/>
+          </a:stretch>
+        </p:blipFill>
+        <p:spPr>
+          <a:xfrm>
+            <a:off x="158858" y="184666"/>
+            <a:ext cx="4227132" cy="2415504"/>
+          </a:xfrm>
+          <a:prstGeom prst="rect">
+            <a:avLst/>
+          </a:prstGeom>
+        </p:spPr>
+      </p:pic>
+      <p:pic>
+        <p:nvPicPr>
+          <p:cNvPr id="11" name="图片 10">
+            <a:extLst>
+              <a:ext uri="{FF2B5EF4-FFF2-40B4-BE49-F238E27FC236}">
+                <a16:creationId xmlns:a16="http://schemas.microsoft.com/office/drawing/2014/main" id="{16A0F8B9-7EFA-FC04-7874-98BA80A44DB1}"/>
+              </a:ext>
+            </a:extLst>
+          </p:cNvPr>
+          <p:cNvPicPr>
+            <a:picLocks noChangeAspect="1"/>
+          </p:cNvPicPr>
+          <p:nvPr/>
+        </p:nvPicPr>
+        <p:blipFill>
+          <a:blip r:embed="rId11"/>
+          <a:stretch>
+            <a:fillRect/>
+          </a:stretch>
+        </p:blipFill>
+        <p:spPr>
+          <a:xfrm>
+            <a:off x="158858" y="3233352"/>
+            <a:ext cx="4227132" cy="3522610"/>
+          </a:xfrm>
+          <a:prstGeom prst="rect">
+            <a:avLst/>
+          </a:prstGeom>
+        </p:spPr>
+      </p:pic>
     </p:spTree>
     <p:extLst>
       <p:ext uri="{BB962C8B-B14F-4D97-AF65-F5344CB8AC3E}">
@@ -18062,36 +18062,6 @@
       </p:pic>
       <p:pic>
         <p:nvPicPr>
-          <p:cNvPr id="9" name="图片 8">
-            <a:extLst>
-              <a:ext uri="{FF2B5EF4-FFF2-40B4-BE49-F238E27FC236}">
-                <a16:creationId xmlns:a16="http://schemas.microsoft.com/office/drawing/2014/main" id="{3337C7C4-3B56-E713-D94F-F058DE2E1163}"/>
-              </a:ext>
-            </a:extLst>
-          </p:cNvPr>
-          <p:cNvPicPr>
-            <a:picLocks noChangeAspect="1"/>
-          </p:cNvPicPr>
-          <p:nvPr/>
-        </p:nvPicPr>
-        <p:blipFill>
-          <a:blip r:embed="rId3"/>
-          <a:stretch>
-            <a:fillRect/>
-          </a:stretch>
-        </p:blipFill>
-        <p:spPr>
-          <a:xfrm>
-            <a:off x="12180" y="3452174"/>
-            <a:ext cx="3940365" cy="4205134"/>
-          </a:xfrm>
-          <a:prstGeom prst="rect">
-            <a:avLst/>
-          </a:prstGeom>
-        </p:spPr>
-      </p:pic>
-      <p:pic>
-        <p:nvPicPr>
           <p:cNvPr id="11" name="图片 10">
             <a:extLst>
               <a:ext uri="{FF2B5EF4-FFF2-40B4-BE49-F238E27FC236}">
@@ -18105,7 +18075,7 @@
           <p:nvPr/>
         </p:nvPicPr>
         <p:blipFill>
-          <a:blip r:embed="rId4"/>
+          <a:blip r:embed="rId3"/>
           <a:stretch>
             <a:fillRect/>
           </a:stretch>
@@ -18135,7 +18105,7 @@
           <p:nvPr/>
         </p:nvPicPr>
         <p:blipFill>
-          <a:blip r:embed="rId5"/>
+          <a:blip r:embed="rId4"/>
           <a:stretch>
             <a:fillRect/>
           </a:stretch>
@@ -18150,173 +18120,224 @@
           </a:prstGeom>
         </p:spPr>
       </p:pic>
-      <p:sp>
-        <p:nvSpPr>
-          <p:cNvPr id="21" name="矩形 20">
+      <p:grpSp>
+        <p:nvGrpSpPr>
+          <p:cNvPr id="2" name="组合 1">
             <a:extLst>
               <a:ext uri="{FF2B5EF4-FFF2-40B4-BE49-F238E27FC236}">
-                <a16:creationId xmlns:a16="http://schemas.microsoft.com/office/drawing/2014/main" id="{3A9C357E-8721-53BC-9AA7-F05E4A688FAF}"/>
+                <a16:creationId xmlns:a16="http://schemas.microsoft.com/office/drawing/2014/main" id="{9826E4E6-13BC-F3EF-6114-B7EEF3076770}"/>
               </a:ext>
             </a:extLst>
           </p:cNvPr>
-          <p:cNvSpPr/>
+          <p:cNvGrpSpPr/>
           <p:nvPr/>
-        </p:nvSpPr>
-        <p:spPr>
+        </p:nvGrpSpPr>
+        <p:grpSpPr>
           <a:xfrm>
-            <a:off x="1055892" y="5858675"/>
-            <a:ext cx="926471" cy="426978"/>
+            <a:off x="290709" y="3429000"/>
+            <a:ext cx="3156040" cy="3368107"/>
+            <a:chOff x="12180" y="3452174"/>
+            <a:chExt cx="3940365" cy="4205134"/>
           </a:xfrm>
-          <a:prstGeom prst="rect">
-            <a:avLst/>
-          </a:prstGeom>
-          <a:noFill/>
-          <a:ln w="22225">
-            <a:solidFill>
-              <a:srgbClr val="92D050"/>
-            </a:solidFill>
-            <a:prstDash val="sysDash"/>
-          </a:ln>
-        </p:spPr>
-        <p:style>
-          <a:lnRef idx="2">
-            <a:schemeClr val="accent1">
-              <a:shade val="50000"/>
-            </a:schemeClr>
-          </a:lnRef>
-          <a:fillRef idx="1">
-            <a:schemeClr val="accent1"/>
-          </a:fillRef>
-          <a:effectRef idx="0">
-            <a:schemeClr val="accent1"/>
-          </a:effectRef>
-          <a:fontRef idx="minor">
-            <a:schemeClr val="lt1"/>
-          </a:fontRef>
-        </p:style>
-        <p:txBody>
-          <a:bodyPr rtlCol="0" anchor="ctr"/>
-          <a:lstStyle/>
-          <a:p>
-            <a:pPr algn="ctr"/>
-            <a:endParaRPr kumimoji="1" lang="zh-CN" altLang="en-US" dirty="0"/>
-          </a:p>
-        </p:txBody>
-      </p:sp>
-      <p:sp>
-        <p:nvSpPr>
-          <p:cNvPr id="22" name="矩形 21">
-            <a:extLst>
-              <a:ext uri="{FF2B5EF4-FFF2-40B4-BE49-F238E27FC236}">
-                <a16:creationId xmlns:a16="http://schemas.microsoft.com/office/drawing/2014/main" id="{FC8350C1-3A61-B9B4-E399-2271E775D6AA}"/>
-              </a:ext>
-            </a:extLst>
-          </p:cNvPr>
-          <p:cNvSpPr/>
-          <p:nvPr/>
-        </p:nvSpPr>
-        <p:spPr>
-          <a:xfrm>
-            <a:off x="1970689" y="4132124"/>
-            <a:ext cx="591467" cy="426978"/>
-          </a:xfrm>
-          <a:prstGeom prst="rect">
-            <a:avLst/>
-          </a:prstGeom>
-          <a:noFill/>
-          <a:ln w="22225">
-            <a:solidFill>
-              <a:srgbClr val="92D050"/>
-            </a:solidFill>
-            <a:prstDash val="sysDash"/>
-          </a:ln>
-        </p:spPr>
-        <p:style>
-          <a:lnRef idx="2">
-            <a:schemeClr val="accent1">
-              <a:shade val="50000"/>
-            </a:schemeClr>
-          </a:lnRef>
-          <a:fillRef idx="1">
-            <a:schemeClr val="accent1"/>
-          </a:fillRef>
-          <a:effectRef idx="0">
-            <a:schemeClr val="accent1"/>
-          </a:effectRef>
-          <a:fontRef idx="minor">
-            <a:schemeClr val="lt1"/>
-          </a:fontRef>
-        </p:style>
-        <p:txBody>
-          <a:bodyPr rtlCol="0" anchor="ctr"/>
-          <a:lstStyle/>
-          <a:p>
-            <a:pPr algn="ctr"/>
-            <a:endParaRPr kumimoji="1" lang="zh-CN" altLang="en-US">
+        </p:grpSpPr>
+        <p:pic>
+          <p:nvPicPr>
+            <p:cNvPr id="9" name="图片 8">
+              <a:extLst>
+                <a:ext uri="{FF2B5EF4-FFF2-40B4-BE49-F238E27FC236}">
+                  <a16:creationId xmlns:a16="http://schemas.microsoft.com/office/drawing/2014/main" id="{3337C7C4-3B56-E713-D94F-F058DE2E1163}"/>
+                </a:ext>
+              </a:extLst>
+            </p:cNvPr>
+            <p:cNvPicPr>
+              <a:picLocks noChangeAspect="1"/>
+            </p:cNvPicPr>
+            <p:nvPr/>
+          </p:nvPicPr>
+          <p:blipFill>
+            <a:blip r:embed="rId5"/>
+            <a:stretch>
+              <a:fillRect/>
+            </a:stretch>
+          </p:blipFill>
+          <p:spPr>
+            <a:xfrm>
+              <a:off x="12180" y="3452174"/>
+              <a:ext cx="3940365" cy="4205134"/>
+            </a:xfrm>
+            <a:prstGeom prst="rect">
+              <a:avLst/>
+            </a:prstGeom>
+          </p:spPr>
+        </p:pic>
+        <p:sp>
+          <p:nvSpPr>
+            <p:cNvPr id="21" name="矩形 20">
+              <a:extLst>
+                <a:ext uri="{FF2B5EF4-FFF2-40B4-BE49-F238E27FC236}">
+                  <a16:creationId xmlns:a16="http://schemas.microsoft.com/office/drawing/2014/main" id="{3A9C357E-8721-53BC-9AA7-F05E4A688FAF}"/>
+                </a:ext>
+              </a:extLst>
+            </p:cNvPr>
+            <p:cNvSpPr/>
+            <p:nvPr/>
+          </p:nvSpPr>
+          <p:spPr>
+            <a:xfrm>
+              <a:off x="1055892" y="5858675"/>
+              <a:ext cx="926471" cy="426978"/>
+            </a:xfrm>
+            <a:prstGeom prst="rect">
+              <a:avLst/>
+            </a:prstGeom>
+            <a:noFill/>
+            <a:ln w="22225">
               <a:solidFill>
-                <a:srgbClr val="00B050"/>
+                <a:srgbClr val="92D050"/>
               </a:solidFill>
-            </a:endParaRPr>
-          </a:p>
-        </p:txBody>
-      </p:sp>
-      <p:sp>
-        <p:nvSpPr>
-          <p:cNvPr id="23" name="矩形 22">
-            <a:extLst>
-              <a:ext uri="{FF2B5EF4-FFF2-40B4-BE49-F238E27FC236}">
-                <a16:creationId xmlns:a16="http://schemas.microsoft.com/office/drawing/2014/main" id="{6695DAF4-0765-DCB0-00D7-3581657C12B9}"/>
-              </a:ext>
-            </a:extLst>
-          </p:cNvPr>
-          <p:cNvSpPr/>
-          <p:nvPr/>
-        </p:nvSpPr>
-        <p:spPr>
-          <a:xfrm>
-            <a:off x="2551757" y="5136029"/>
-            <a:ext cx="308918" cy="435540"/>
-          </a:xfrm>
-          <a:prstGeom prst="rect">
-            <a:avLst/>
-          </a:prstGeom>
-          <a:noFill/>
-          <a:ln w="22225">
-            <a:solidFill>
-              <a:srgbClr val="92D050"/>
-            </a:solidFill>
-            <a:prstDash val="sysDash"/>
-          </a:ln>
-        </p:spPr>
-        <p:style>
-          <a:lnRef idx="2">
-            <a:schemeClr val="accent1">
-              <a:shade val="50000"/>
-            </a:schemeClr>
-          </a:lnRef>
-          <a:fillRef idx="1">
-            <a:schemeClr val="accent1"/>
-          </a:fillRef>
-          <a:effectRef idx="0">
-            <a:schemeClr val="accent1"/>
-          </a:effectRef>
-          <a:fontRef idx="minor">
-            <a:schemeClr val="lt1"/>
-          </a:fontRef>
-        </p:style>
-        <p:txBody>
-          <a:bodyPr rtlCol="0" anchor="ctr"/>
-          <a:lstStyle/>
-          <a:p>
-            <a:pPr algn="ctr"/>
-            <a:endParaRPr kumimoji="1" lang="zh-CN" altLang="en-US">
+              <a:prstDash val="sysDash"/>
+            </a:ln>
+          </p:spPr>
+          <p:style>
+            <a:lnRef idx="2">
+              <a:schemeClr val="accent1">
+                <a:shade val="50000"/>
+              </a:schemeClr>
+            </a:lnRef>
+            <a:fillRef idx="1">
+              <a:schemeClr val="accent1"/>
+            </a:fillRef>
+            <a:effectRef idx="0">
+              <a:schemeClr val="accent1"/>
+            </a:effectRef>
+            <a:fontRef idx="minor">
+              <a:schemeClr val="lt1"/>
+            </a:fontRef>
+          </p:style>
+          <p:txBody>
+            <a:bodyPr rtlCol="0" anchor="ctr"/>
+            <a:lstStyle/>
+            <a:p>
+              <a:pPr algn="ctr"/>
+              <a:endParaRPr kumimoji="1" lang="zh-CN" altLang="en-US" dirty="0"/>
+            </a:p>
+          </p:txBody>
+        </p:sp>
+        <p:sp>
+          <p:nvSpPr>
+            <p:cNvPr id="22" name="矩形 21">
+              <a:extLst>
+                <a:ext uri="{FF2B5EF4-FFF2-40B4-BE49-F238E27FC236}">
+                  <a16:creationId xmlns:a16="http://schemas.microsoft.com/office/drawing/2014/main" id="{FC8350C1-3A61-B9B4-E399-2271E775D6AA}"/>
+                </a:ext>
+              </a:extLst>
+            </p:cNvPr>
+            <p:cNvSpPr/>
+            <p:nvPr/>
+          </p:nvSpPr>
+          <p:spPr>
+            <a:xfrm>
+              <a:off x="1970689" y="4132124"/>
+              <a:ext cx="591467" cy="426978"/>
+            </a:xfrm>
+            <a:prstGeom prst="rect">
+              <a:avLst/>
+            </a:prstGeom>
+            <a:noFill/>
+            <a:ln w="22225">
               <a:solidFill>
-                <a:srgbClr val="FFFF00"/>
+                <a:srgbClr val="92D050"/>
               </a:solidFill>
-            </a:endParaRPr>
-          </a:p>
-        </p:txBody>
-      </p:sp>
+              <a:prstDash val="sysDash"/>
+            </a:ln>
+          </p:spPr>
+          <p:style>
+            <a:lnRef idx="2">
+              <a:schemeClr val="accent1">
+                <a:shade val="50000"/>
+              </a:schemeClr>
+            </a:lnRef>
+            <a:fillRef idx="1">
+              <a:schemeClr val="accent1"/>
+            </a:fillRef>
+            <a:effectRef idx="0">
+              <a:schemeClr val="accent1"/>
+            </a:effectRef>
+            <a:fontRef idx="minor">
+              <a:schemeClr val="lt1"/>
+            </a:fontRef>
+          </p:style>
+          <p:txBody>
+            <a:bodyPr rtlCol="0" anchor="ctr"/>
+            <a:lstStyle/>
+            <a:p>
+              <a:pPr algn="ctr"/>
+              <a:endParaRPr kumimoji="1" lang="zh-CN" altLang="en-US">
+                <a:solidFill>
+                  <a:srgbClr val="00B050"/>
+                </a:solidFill>
+              </a:endParaRPr>
+            </a:p>
+          </p:txBody>
+        </p:sp>
+        <p:sp>
+          <p:nvSpPr>
+            <p:cNvPr id="23" name="矩形 22">
+              <a:extLst>
+                <a:ext uri="{FF2B5EF4-FFF2-40B4-BE49-F238E27FC236}">
+                  <a16:creationId xmlns:a16="http://schemas.microsoft.com/office/drawing/2014/main" id="{6695DAF4-0765-DCB0-00D7-3581657C12B9}"/>
+                </a:ext>
+              </a:extLst>
+            </p:cNvPr>
+            <p:cNvSpPr/>
+            <p:nvPr/>
+          </p:nvSpPr>
+          <p:spPr>
+            <a:xfrm>
+              <a:off x="2562156" y="4991118"/>
+              <a:ext cx="308918" cy="435540"/>
+            </a:xfrm>
+            <a:prstGeom prst="rect">
+              <a:avLst/>
+            </a:prstGeom>
+            <a:noFill/>
+            <a:ln w="22225">
+              <a:solidFill>
+                <a:srgbClr val="92D050"/>
+              </a:solidFill>
+              <a:prstDash val="sysDash"/>
+            </a:ln>
+          </p:spPr>
+          <p:style>
+            <a:lnRef idx="2">
+              <a:schemeClr val="accent1">
+                <a:shade val="50000"/>
+              </a:schemeClr>
+            </a:lnRef>
+            <a:fillRef idx="1">
+              <a:schemeClr val="accent1"/>
+            </a:fillRef>
+            <a:effectRef idx="0">
+              <a:schemeClr val="accent1"/>
+            </a:effectRef>
+            <a:fontRef idx="minor">
+              <a:schemeClr val="lt1"/>
+            </a:fontRef>
+          </p:style>
+          <p:txBody>
+            <a:bodyPr rtlCol="0" anchor="ctr"/>
+            <a:lstStyle/>
+            <a:p>
+              <a:pPr algn="ctr"/>
+              <a:endParaRPr kumimoji="1" lang="zh-CN" altLang="en-US">
+                <a:solidFill>
+                  <a:srgbClr val="FFFF00"/>
+                </a:solidFill>
+              </a:endParaRPr>
+            </a:p>
+          </p:txBody>
+        </p:sp>
+      </p:grpSp>
       <p:sp>
         <p:nvSpPr>
           <p:cNvPr id="12" name="文本框 11">
@@ -18367,8 +18388,8 @@
         </p:nvSpPr>
         <p:spPr>
           <a:xfrm>
-            <a:off x="164166" y="3071255"/>
-            <a:ext cx="312906" cy="369332"/>
+            <a:off x="-27007" y="3082842"/>
+            <a:ext cx="317716" cy="369332"/>
           </a:xfrm>
           <a:prstGeom prst="rect">
             <a:avLst/>
@@ -18383,7 +18404,7 @@
           <a:p>
             <a:r>
               <a:rPr kumimoji="1" lang="en-US" altLang="zh-CN" dirty="0"/>
-              <a:t>B</a:t>
+              <a:t>b</a:t>
             </a:r>
             <a:endParaRPr kumimoji="1" lang="zh-CN" altLang="en-US" dirty="0"/>
           </a:p>
@@ -18440,7 +18461,7 @@
         <p:spPr>
           <a:xfrm>
             <a:off x="4083521" y="-28106"/>
-            <a:ext cx="327334" cy="369332"/>
+            <a:ext cx="288862" cy="369332"/>
           </a:xfrm>
           <a:prstGeom prst="rect">
             <a:avLst/>
@@ -18455,7 +18476,7 @@
           <a:p>
             <a:r>
               <a:rPr kumimoji="1" lang="en-US" altLang="zh-CN" dirty="0"/>
-              <a:t>C</a:t>
+              <a:t>c</a:t>
             </a:r>
             <a:endParaRPr kumimoji="1" lang="zh-CN" altLang="en-US" dirty="0"/>
           </a:p>
@@ -18513,8 +18534,8 @@
         </p:blipFill>
         <p:spPr>
           <a:xfrm>
-            <a:off x="-12896" y="0"/>
-            <a:ext cx="4399475" cy="3666229"/>
+            <a:off x="287185" y="652391"/>
+            <a:ext cx="2667859" cy="2223216"/>
           </a:xfrm>
           <a:prstGeom prst="rect">
             <a:avLst/>
@@ -18783,7 +18804,7 @@
         <p:spPr>
           <a:xfrm>
             <a:off x="-12897" y="0"/>
-            <a:ext cx="332142" cy="369332"/>
+            <a:ext cx="300082" cy="369332"/>
           </a:xfrm>
           <a:prstGeom prst="rect">
             <a:avLst/>
@@ -18798,7 +18819,7 @@
           <a:p>
             <a:r>
               <a:rPr kumimoji="1" lang="en-US" altLang="zh-CN" dirty="0"/>
-              <a:t>A</a:t>
+              <a:t>a</a:t>
             </a:r>
           </a:p>
         </p:txBody>
@@ -18818,7 +18839,7 @@
         <p:spPr>
           <a:xfrm>
             <a:off x="4444305" y="3470801"/>
-            <a:ext cx="343364" cy="369332"/>
+            <a:ext cx="317716" cy="369332"/>
           </a:xfrm>
           <a:prstGeom prst="rect">
             <a:avLst/>
@@ -18833,7 +18854,7 @@
           <a:p>
             <a:r>
               <a:rPr kumimoji="1" lang="en-US" altLang="zh-CN" dirty="0"/>
-              <a:t>D</a:t>
+              <a:t>d</a:t>
             </a:r>
             <a:endParaRPr kumimoji="1" lang="zh-CN" altLang="en-US" dirty="0"/>
           </a:p>
@@ -18869,7 +18890,7 @@
           <a:p>
             <a:r>
               <a:rPr kumimoji="1" lang="en-US" altLang="zh-CN" dirty="0"/>
-              <a:t>B</a:t>
+              <a:t>b</a:t>
             </a:r>
             <a:endParaRPr kumimoji="1" lang="zh-CN" altLang="en-US" dirty="0"/>
           </a:p>
@@ -18890,7 +18911,7 @@
         <p:spPr>
           <a:xfrm>
             <a:off x="0" y="3353545"/>
-            <a:ext cx="327334" cy="369332"/>
+            <a:ext cx="288862" cy="369332"/>
           </a:xfrm>
           <a:prstGeom prst="rect">
             <a:avLst/>
@@ -18905,7 +18926,7 @@
           <a:p>
             <a:r>
               <a:rPr kumimoji="1" lang="en-US" altLang="zh-CN" dirty="0"/>
-              <a:t>C</a:t>
+              <a:t>c</a:t>
             </a:r>
             <a:endParaRPr kumimoji="1" lang="zh-CN" altLang="en-US" dirty="0"/>
           </a:p>
@@ -18933,8 +18954,8 @@
         </p:blipFill>
         <p:spPr>
           <a:xfrm>
-            <a:off x="4599004" y="1667541"/>
-            <a:ext cx="2880000" cy="1440000"/>
+            <a:off x="3689747" y="1747645"/>
+            <a:ext cx="3797128" cy="1898564"/>
           </a:xfrm>
           <a:prstGeom prst="rect">
             <a:avLst/>
@@ -18963,8 +18984,8 @@
         </p:blipFill>
         <p:spPr>
           <a:xfrm>
-            <a:off x="7464522" y="323999"/>
-            <a:ext cx="2880000" cy="1440000"/>
+            <a:off x="7471133" y="-122731"/>
+            <a:ext cx="3797128" cy="1898564"/>
           </a:xfrm>
           <a:prstGeom prst="rect">
             <a:avLst/>
@@ -18993,8 +19014,8 @@
         </p:blipFill>
         <p:spPr>
           <a:xfrm>
-            <a:off x="4599004" y="323999"/>
-            <a:ext cx="2880000" cy="1440000"/>
+            <a:off x="3681876" y="-134565"/>
+            <a:ext cx="3797128" cy="1898564"/>
           </a:xfrm>
           <a:prstGeom prst="rect">
             <a:avLst/>
@@ -19023,8 +19044,8 @@
         </p:blipFill>
         <p:spPr>
           <a:xfrm>
-            <a:off x="7464522" y="1667541"/>
-            <a:ext cx="2880000" cy="1440000"/>
+            <a:off x="7479004" y="1769492"/>
+            <a:ext cx="3797128" cy="1898564"/>
           </a:xfrm>
           <a:prstGeom prst="rect">
             <a:avLst/>
@@ -19083,7 +19104,7 @@
         </p:blipFill>
         <p:spPr>
           <a:xfrm>
-            <a:off x="675145" y="3465452"/>
+            <a:off x="109418" y="3458068"/>
             <a:ext cx="3023392" cy="3399932"/>
           </a:xfrm>
           <a:prstGeom prst="rect">
@@ -19286,7 +19307,7 @@
         <p:spPr>
           <a:xfrm>
             <a:off x="8076001" y="1365582"/>
-            <a:ext cx="288862" cy="369332"/>
+            <a:ext cx="303288" cy="369332"/>
           </a:xfrm>
           <a:prstGeom prst="rect">
             <a:avLst/>
@@ -19301,7 +19322,7 @@
           <a:p>
             <a:r>
               <a:rPr kumimoji="1" lang="en-US" altLang="zh-CN" dirty="0"/>
-              <a:t>c</a:t>
+              <a:t>e</a:t>
             </a:r>
             <a:endParaRPr kumimoji="1" lang="zh-CN" altLang="en-US" dirty="0"/>
           </a:p>
@@ -19358,7 +19379,7 @@
         <p:spPr>
           <a:xfrm>
             <a:off x="4116001" y="1365582"/>
-            <a:ext cx="317716" cy="369332"/>
+            <a:ext cx="288862" cy="369332"/>
           </a:xfrm>
           <a:prstGeom prst="rect">
             <a:avLst/>
@@ -19373,7 +19394,7 @@
           <a:p>
             <a:r>
               <a:rPr kumimoji="1" lang="en-US" altLang="zh-CN" dirty="0"/>
-              <a:t>b</a:t>
+              <a:t>c</a:t>
             </a:r>
             <a:endParaRPr kumimoji="1" lang="zh-CN" altLang="en-US" dirty="0"/>
           </a:p>
@@ -19445,7 +19466,7 @@
           <a:p>
             <a:r>
               <a:rPr kumimoji="1" lang="en-US" altLang="zh-CN" dirty="0"/>
-              <a:t>d</a:t>
+              <a:t>b</a:t>
             </a:r>
             <a:endParaRPr kumimoji="1" lang="zh-CN" altLang="en-US" dirty="0"/>
           </a:p>
@@ -19466,7 +19487,7 @@
         <p:spPr>
           <a:xfrm>
             <a:off x="4123215" y="3596265"/>
-            <a:ext cx="303288" cy="369332"/>
+            <a:ext cx="317716" cy="369332"/>
           </a:xfrm>
           <a:prstGeom prst="rect">
             <a:avLst/>
@@ -19481,7 +19502,7 @@
           <a:p>
             <a:r>
               <a:rPr kumimoji="1" lang="en-US" altLang="zh-CN" dirty="0"/>
-              <a:t>e</a:t>
+              <a:t>d</a:t>
             </a:r>
             <a:endParaRPr kumimoji="1" lang="zh-CN" altLang="en-US" dirty="0"/>
           </a:p>

--- a/paper/scperb_draft4.pptx
+++ b/paper/scperb_draft4.pptx
@@ -2852,7 +2852,7 @@
           <a:p>
             <a:fld id="{75322447-D5FC-F74C-A8E9-DAA2D158B9DD}" type="datetimeFigureOut">
               <a:rPr kumimoji="1" lang="zh-CN" altLang="en-US" smtClean="0"/>
-              <a:t>2023/8/18</a:t>
+              <a:t>2023/8/29</a:t>
             </a:fld>
             <a:endParaRPr kumimoji="1" lang="zh-CN" altLang="en-US"/>
           </a:p>
@@ -3357,7 +3357,7 @@
           <a:p>
             <a:fld id="{6595D385-7995-294D-97D1-22AA2B80F410}" type="datetimeFigureOut">
               <a:rPr kumimoji="1" lang="zh-CN" altLang="en-US" smtClean="0"/>
-              <a:t>2023/8/18</a:t>
+              <a:t>2023/8/29</a:t>
             </a:fld>
             <a:endParaRPr kumimoji="1" lang="zh-CN" altLang="en-US"/>
           </a:p>
@@ -3555,7 +3555,7 @@
           <a:p>
             <a:fld id="{6595D385-7995-294D-97D1-22AA2B80F410}" type="datetimeFigureOut">
               <a:rPr kumimoji="1" lang="zh-CN" altLang="en-US" smtClean="0"/>
-              <a:t>2023/8/18</a:t>
+              <a:t>2023/8/29</a:t>
             </a:fld>
             <a:endParaRPr kumimoji="1" lang="zh-CN" altLang="en-US"/>
           </a:p>
@@ -3763,7 +3763,7 @@
           <a:p>
             <a:fld id="{6595D385-7995-294D-97D1-22AA2B80F410}" type="datetimeFigureOut">
               <a:rPr kumimoji="1" lang="zh-CN" altLang="en-US" smtClean="0"/>
-              <a:t>2023/8/18</a:t>
+              <a:t>2023/8/29</a:t>
             </a:fld>
             <a:endParaRPr kumimoji="1" lang="zh-CN" altLang="en-US"/>
           </a:p>
@@ -3961,7 +3961,7 @@
           <a:p>
             <a:fld id="{6595D385-7995-294D-97D1-22AA2B80F410}" type="datetimeFigureOut">
               <a:rPr kumimoji="1" lang="zh-CN" altLang="en-US" smtClean="0"/>
-              <a:t>2023/8/18</a:t>
+              <a:t>2023/8/29</a:t>
             </a:fld>
             <a:endParaRPr kumimoji="1" lang="zh-CN" altLang="en-US"/>
           </a:p>
@@ -4236,7 +4236,7 @@
           <a:p>
             <a:fld id="{6595D385-7995-294D-97D1-22AA2B80F410}" type="datetimeFigureOut">
               <a:rPr kumimoji="1" lang="zh-CN" altLang="en-US" smtClean="0"/>
-              <a:t>2023/8/18</a:t>
+              <a:t>2023/8/29</a:t>
             </a:fld>
             <a:endParaRPr kumimoji="1" lang="zh-CN" altLang="en-US"/>
           </a:p>
@@ -4501,7 +4501,7 @@
           <a:p>
             <a:fld id="{6595D385-7995-294D-97D1-22AA2B80F410}" type="datetimeFigureOut">
               <a:rPr kumimoji="1" lang="zh-CN" altLang="en-US" smtClean="0"/>
-              <a:t>2023/8/18</a:t>
+              <a:t>2023/8/29</a:t>
             </a:fld>
             <a:endParaRPr kumimoji="1" lang="zh-CN" altLang="en-US"/>
           </a:p>
@@ -4913,7 +4913,7 @@
           <a:p>
             <a:fld id="{6595D385-7995-294D-97D1-22AA2B80F410}" type="datetimeFigureOut">
               <a:rPr kumimoji="1" lang="zh-CN" altLang="en-US" smtClean="0"/>
-              <a:t>2023/8/18</a:t>
+              <a:t>2023/8/29</a:t>
             </a:fld>
             <a:endParaRPr kumimoji="1" lang="zh-CN" altLang="en-US"/>
           </a:p>
@@ -5054,7 +5054,7 @@
           <a:p>
             <a:fld id="{6595D385-7995-294D-97D1-22AA2B80F410}" type="datetimeFigureOut">
               <a:rPr kumimoji="1" lang="zh-CN" altLang="en-US" smtClean="0"/>
-              <a:t>2023/8/18</a:t>
+              <a:t>2023/8/29</a:t>
             </a:fld>
             <a:endParaRPr kumimoji="1" lang="zh-CN" altLang="en-US"/>
           </a:p>
@@ -5167,7 +5167,7 @@
           <a:p>
             <a:fld id="{6595D385-7995-294D-97D1-22AA2B80F410}" type="datetimeFigureOut">
               <a:rPr kumimoji="1" lang="zh-CN" altLang="en-US" smtClean="0"/>
-              <a:t>2023/8/18</a:t>
+              <a:t>2023/8/29</a:t>
             </a:fld>
             <a:endParaRPr kumimoji="1" lang="zh-CN" altLang="en-US"/>
           </a:p>
@@ -5478,7 +5478,7 @@
           <a:p>
             <a:fld id="{6595D385-7995-294D-97D1-22AA2B80F410}" type="datetimeFigureOut">
               <a:rPr kumimoji="1" lang="zh-CN" altLang="en-US" smtClean="0"/>
-              <a:t>2023/8/18</a:t>
+              <a:t>2023/8/29</a:t>
             </a:fld>
             <a:endParaRPr kumimoji="1" lang="zh-CN" altLang="en-US"/>
           </a:p>
@@ -5766,7 +5766,7 @@
           <a:p>
             <a:fld id="{6595D385-7995-294D-97D1-22AA2B80F410}" type="datetimeFigureOut">
               <a:rPr kumimoji="1" lang="zh-CN" altLang="en-US" smtClean="0"/>
-              <a:t>2023/8/18</a:t>
+              <a:t>2023/8/29</a:t>
             </a:fld>
             <a:endParaRPr kumimoji="1" lang="zh-CN" altLang="en-US"/>
           </a:p>
@@ -6007,7 +6007,7 @@
           <a:p>
             <a:fld id="{6595D385-7995-294D-97D1-22AA2B80F410}" type="datetimeFigureOut">
               <a:rPr kumimoji="1" lang="zh-CN" altLang="en-US" smtClean="0"/>
-              <a:t>2023/8/18</a:t>
+              <a:t>2023/8/29</a:t>
             </a:fld>
             <a:endParaRPr kumimoji="1" lang="zh-CN" altLang="en-US"/>
           </a:p>
@@ -8170,8 +8170,8 @@
         </p:nvSpPr>
         <p:spPr>
           <a:xfrm>
-            <a:off x="6104369" y="5030739"/>
-            <a:ext cx="1659528" cy="369332"/>
+            <a:off x="6104368" y="5168303"/>
+            <a:ext cx="1682641" cy="369332"/>
           </a:xfrm>
           <a:prstGeom prst="rect">
             <a:avLst/>
@@ -8185,10 +8185,10 @@
           <a:lstStyle/>
           <a:p>
             <a:r>
-              <a:rPr kumimoji="1" lang="en-US" altLang="zh-CN" dirty="0"/>
+              <a:rPr kumimoji="1" lang="en-US" altLang="zh-CN" b="1" dirty="0"/>
               <a:t>SmoothL1Loss</a:t>
             </a:r>
-            <a:endParaRPr kumimoji="1" lang="zh-CN" altLang="en-US" dirty="0"/>
+            <a:endParaRPr kumimoji="1" lang="zh-CN" altLang="en-US" b="1" dirty="0"/>
           </a:p>
         </p:txBody>
       </p:sp>
